--- a/HINTS5_Data_Analysis.pptx
+++ b/HINTS5_Data_Analysis.pptx
@@ -285,7 +285,7 @@
           <a:p>
             <a:fld id="{24CE221E-83ED-4F6C-BA5F-3F9E6FDB6953}" type="datetimeFigureOut">
               <a:rPr lang="en-US"/>
-              <a:t>2/18/2019</a:t>
+              <a:t>12/15/2019</a:t>
             </a:fld>
             <a:endParaRPr dirty="0"/>
           </a:p>
@@ -450,7 +450,7 @@
           <a:p>
             <a:fld id="{97853E5F-CE67-483C-A264-F17AC70E9CA2}" type="datetimeFigureOut">
               <a:rPr lang="en-US"/>
-              <a:t>2/18/2019</a:t>
+              <a:t>12/15/2019</a:t>
             </a:fld>
             <a:endParaRPr dirty="0"/>
           </a:p>
@@ -1042,7 +1042,7 @@
           <a:p>
             <a:fld id="{3E0FA9E5-6744-4841-888F-9E7CC0C2B7EC}" type="datetimeFigureOut">
               <a:rPr lang="en-US" smtClean="0"/>
-              <a:t>2/18/2019</a:t>
+              <a:t>12/15/2019</a:t>
             </a:fld>
             <a:endParaRPr lang="en-US" dirty="0"/>
           </a:p>
@@ -1232,7 +1232,7 @@
           <a:p>
             <a:fld id="{3E0FA9E5-6744-4841-888F-9E7CC0C2B7EC}" type="datetimeFigureOut">
               <a:rPr lang="en-US" smtClean="0"/>
-              <a:t>2/18/2019</a:t>
+              <a:t>12/15/2019</a:t>
             </a:fld>
             <a:endParaRPr lang="en-US" dirty="0"/>
           </a:p>
@@ -1427,7 +1427,7 @@
           <a:p>
             <a:fld id="{3E0FA9E5-6744-4841-888F-9E7CC0C2B7EC}" type="datetimeFigureOut">
               <a:rPr lang="en-US" smtClean="0"/>
-              <a:t>2/18/2019</a:t>
+              <a:t>12/15/2019</a:t>
             </a:fld>
             <a:endParaRPr lang="en-US" dirty="0"/>
           </a:p>
@@ -1612,7 +1612,7 @@
           <a:p>
             <a:fld id="{3E0FA9E5-6744-4841-888F-9E7CC0C2B7EC}" type="datetimeFigureOut">
               <a:rPr lang="en-US" smtClean="0"/>
-              <a:t>2/18/2019</a:t>
+              <a:t>12/15/2019</a:t>
             </a:fld>
             <a:endParaRPr lang="en-US" dirty="0"/>
           </a:p>
@@ -1881,7 +1881,7 @@
           <a:p>
             <a:fld id="{3E0FA9E5-6744-4841-888F-9E7CC0C2B7EC}" type="datetimeFigureOut">
               <a:rPr lang="en-US" smtClean="0"/>
-              <a:t>2/18/2019</a:t>
+              <a:t>12/15/2019</a:t>
             </a:fld>
             <a:endParaRPr lang="en-US" dirty="0"/>
           </a:p>
@@ -2188,7 +2188,7 @@
           <a:p>
             <a:fld id="{3E0FA9E5-6744-4841-888F-9E7CC0C2B7EC}" type="datetimeFigureOut">
               <a:rPr lang="en-US" smtClean="0"/>
-              <a:t>2/18/2019</a:t>
+              <a:t>12/15/2019</a:t>
             </a:fld>
             <a:endParaRPr lang="en-US" dirty="0"/>
           </a:p>
@@ -2644,7 +2644,7 @@
           <a:p>
             <a:fld id="{3E0FA9E5-6744-4841-888F-9E7CC0C2B7EC}" type="datetimeFigureOut">
               <a:rPr lang="en-US" smtClean="0"/>
-              <a:t>2/18/2019</a:t>
+              <a:t>12/15/2019</a:t>
             </a:fld>
             <a:endParaRPr lang="en-US" dirty="0"/>
           </a:p>
@@ -2777,7 +2777,7 @@
           <a:p>
             <a:fld id="{3E0FA9E5-6744-4841-888F-9E7CC0C2B7EC}" type="datetimeFigureOut">
               <a:rPr lang="en-US" smtClean="0"/>
-              <a:t>2/18/2019</a:t>
+              <a:t>12/15/2019</a:t>
             </a:fld>
             <a:endParaRPr lang="en-US" dirty="0"/>
           </a:p>
@@ -2887,7 +2887,7 @@
           <a:p>
             <a:fld id="{3E0FA9E5-6744-4841-888F-9E7CC0C2B7EC}" type="datetimeFigureOut">
               <a:rPr lang="en-US" smtClean="0"/>
-              <a:t>2/18/2019</a:t>
+              <a:t>12/15/2019</a:t>
             </a:fld>
             <a:endParaRPr lang="en-US" dirty="0"/>
           </a:p>
@@ -3198,7 +3198,7 @@
           <a:p>
             <a:fld id="{3E0FA9E5-6744-4841-888F-9E7CC0C2B7EC}" type="datetimeFigureOut">
               <a:rPr lang="en-US" smtClean="0"/>
-              <a:t>2/18/2019</a:t>
+              <a:t>12/15/2019</a:t>
             </a:fld>
             <a:endParaRPr lang="en-US" dirty="0"/>
           </a:p>
@@ -3675,7 +3675,7 @@
             <a:fld id="{3E0FA9E5-6744-4841-888F-9E7CC0C2B7EC}" type="datetimeFigureOut">
               <a:rPr lang="en-US" smtClean="0"/>
               <a:pPr/>
-              <a:t>2/18/2019</a:t>
+              <a:t>12/15/2019</a:t>
             </a:fld>
             <a:endParaRPr lang="en-US" dirty="0"/>
           </a:p>
@@ -9255,7 +9255,7 @@
           <a:p>
             <a:r>
               <a:rPr lang="en-US" dirty="0"/>
-              <a:t>Univariate Analysis Plots</a:t>
+              <a:t>Bivariate Analysis Plots</a:t>
             </a:r>
           </a:p>
         </p:txBody>

--- a/HINTS5_Data_Analysis.pptx
+++ b/HINTS5_Data_Analysis.pptx
@@ -285,7 +285,7 @@
           <a:p>
             <a:fld id="{24CE221E-83ED-4F6C-BA5F-3F9E6FDB6953}" type="datetimeFigureOut">
               <a:rPr lang="en-US"/>
-              <a:t>12/15/2019</a:t>
+              <a:t>12/16/2019</a:t>
             </a:fld>
             <a:endParaRPr dirty="0"/>
           </a:p>
@@ -4201,7 +4201,7 @@
           <a:p>
             <a:r>
               <a:rPr lang="en-US" dirty="0"/>
-              <a:t>Univariate Analysis Plots</a:t>
+              <a:t>Bivariate Analysis Plots</a:t>
             </a:r>
           </a:p>
         </p:txBody>
@@ -4954,7 +4954,7 @@
           <a:p>
             <a:r>
               <a:rPr lang="en-US" dirty="0"/>
-              <a:t>Univariate Analysis Plots</a:t>
+              <a:t>Bivariate Analysis Plots</a:t>
             </a:r>
           </a:p>
         </p:txBody>
